--- a/E91_protocol.pptx
+++ b/E91_protocol.pptx
@@ -5,7 +5,7 @@
     <p:sldMasterId id="2147483683" r:id="rId1"/>
   </p:sldMasterIdLst>
   <p:notesMasterIdLst>
-    <p:notesMasterId r:id="rId17"/>
+    <p:notesMasterId r:id="rId18"/>
   </p:notesMasterIdLst>
   <p:sldIdLst>
     <p:sldId id="335" r:id="rId2"/>
@@ -18,11 +18,12 @@
     <p:sldId id="320" r:id="rId9"/>
     <p:sldId id="339" r:id="rId10"/>
     <p:sldId id="306" r:id="rId11"/>
-    <p:sldId id="330" r:id="rId12"/>
-    <p:sldId id="312" r:id="rId13"/>
-    <p:sldId id="274" r:id="rId14"/>
-    <p:sldId id="285" r:id="rId15"/>
-    <p:sldId id="318" r:id="rId16"/>
+    <p:sldId id="316" r:id="rId12"/>
+    <p:sldId id="330" r:id="rId13"/>
+    <p:sldId id="312" r:id="rId14"/>
+    <p:sldId id="274" r:id="rId15"/>
+    <p:sldId id="285" r:id="rId16"/>
+    <p:sldId id="318" r:id="rId17"/>
   </p:sldIdLst>
   <p:sldSz cx="9144000" cy="5143500" type="screen16x9"/>
   <p:notesSz cx="6858000" cy="9144000"/>
@@ -267,7 +268,7 @@
 <p1510:revInfo xmlns:a="http://schemas.openxmlformats.org/drawingml/2006/main" xmlns:r="http://schemas.openxmlformats.org/officeDocument/2006/relationships" xmlns:p1510="http://schemas.microsoft.com/office/powerpoint/2015/10/main">
   <p1510:revLst>
     <p1510:client id="{2096F710-5AC5-44B8-9F2F-4A886260E7A5}" v="179" dt="2023-10-11T17:20:27.553"/>
-    <p1510:client id="{4C186ED0-FAD9-4A63-9E67-66C2625466E9}" v="973" dt="2023-10-10T22:59:51.238"/>
+    <p1510:client id="{507F96FB-2271-4C51-825E-E71C770CD6D9}" v="1" dt="2023-10-12T13:36:27.243"/>
   </p1510:revLst>
 </p1510:revInfo>
 </file>
@@ -1137,6 +1138,46 @@
       </pc:sldMasterChg>
     </pc:docChg>
   </pc:docChgLst>
+  <pc:docChgLst>
+    <pc:chgData name="Nawaf Hr" userId="b81f7327da8a3ca9" providerId="LiveId" clId="{507F96FB-2271-4C51-825E-E71C770CD6D9}"/>
+    <pc:docChg chg="addSld modSld">
+      <pc:chgData name="Nawaf Hr" userId="b81f7327da8a3ca9" providerId="LiveId" clId="{507F96FB-2271-4C51-825E-E71C770CD6D9}" dt="2023-10-12T13:37:56.054" v="29" actId="20577"/>
+      <pc:docMkLst>
+        <pc:docMk/>
+      </pc:docMkLst>
+      <pc:sldChg chg="modSp add mod">
+        <pc:chgData name="Nawaf Hr" userId="b81f7327da8a3ca9" providerId="LiveId" clId="{507F96FB-2271-4C51-825E-E71C770CD6D9}" dt="2023-10-12T13:37:56.054" v="29" actId="20577"/>
+        <pc:sldMkLst>
+          <pc:docMk/>
+          <pc:sldMk cId="3993053408" sldId="316"/>
+        </pc:sldMkLst>
+        <pc:spChg chg="mod">
+          <ac:chgData name="Nawaf Hr" userId="b81f7327da8a3ca9" providerId="LiveId" clId="{507F96FB-2271-4C51-825E-E71C770CD6D9}" dt="2023-10-12T13:36:39.278" v="14" actId="20577"/>
+          <ac:spMkLst>
+            <pc:docMk/>
+            <pc:sldMk cId="3993053408" sldId="316"/>
+            <ac:spMk id="170" creationId="{00000000-0000-0000-0000-000000000000}"/>
+          </ac:spMkLst>
+        </pc:spChg>
+        <pc:spChg chg="mod">
+          <ac:chgData name="Nawaf Hr" userId="b81f7327da8a3ca9" providerId="LiveId" clId="{507F96FB-2271-4C51-825E-E71C770CD6D9}" dt="2023-10-12T13:37:56.054" v="29" actId="20577"/>
+          <ac:spMkLst>
+            <pc:docMk/>
+            <pc:sldMk cId="3993053408" sldId="316"/>
+            <ac:spMk id="171" creationId="{00000000-0000-0000-0000-000000000000}"/>
+          </ac:spMkLst>
+        </pc:spChg>
+        <pc:cxnChg chg="mod">
+          <ac:chgData name="Nawaf Hr" userId="b81f7327da8a3ca9" providerId="LiveId" clId="{507F96FB-2271-4C51-825E-E71C770CD6D9}" dt="2023-10-12T13:37:00.478" v="27" actId="1076"/>
+          <ac:cxnSpMkLst>
+            <pc:docMk/>
+            <pc:sldMk cId="3993053408" sldId="316"/>
+            <ac:cxnSpMk id="172" creationId="{00000000-0000-0000-0000-000000000000}"/>
+          </ac:cxnSpMkLst>
+        </pc:cxnChg>
+      </pc:sldChg>
+    </pc:docChg>
+  </pc:docChgLst>
 </pc:chgInfo>
 </file>
 
@@ -1812,6 +1853,115 @@
   <p:cSld>
     <p:spTree>
       <p:nvGrpSpPr>
+        <p:cNvPr id="1" name="Shape 166"/>
+        <p:cNvGrpSpPr/>
+        <p:nvPr/>
+      </p:nvGrpSpPr>
+      <p:grpSpPr>
+        <a:xfrm>
+          <a:off x="0" y="0"/>
+          <a:ext cx="0" cy="0"/>
+          <a:chOff x="0" y="0"/>
+          <a:chExt cx="0" cy="0"/>
+        </a:xfrm>
+      </p:grpSpPr>
+      <p:sp>
+        <p:nvSpPr>
+          <p:cNvPr id="167" name="Google Shape;167;g7f9262ee2f_0_26269:notes"/>
+          <p:cNvSpPr>
+            <a:spLocks noGrp="1" noRot="1" noChangeAspect="1"/>
+          </p:cNvSpPr>
+          <p:nvPr>
+            <p:ph type="sldImg" idx="2"/>
+          </p:nvPr>
+        </p:nvSpPr>
+        <p:spPr>
+          <a:xfrm>
+            <a:off x="381000" y="685800"/>
+            <a:ext cx="6096000" cy="3429000"/>
+          </a:xfrm>
+          <a:custGeom>
+            <a:avLst/>
+            <a:gdLst/>
+            <a:ahLst/>
+            <a:cxnLst/>
+            <a:rect l="l" t="t" r="r" b="b"/>
+            <a:pathLst>
+              <a:path w="120000" h="120000" extrusionOk="0">
+                <a:moveTo>
+                  <a:pt x="0" y="0"/>
+                </a:moveTo>
+                <a:lnTo>
+                  <a:pt x="120000" y="0"/>
+                </a:lnTo>
+                <a:lnTo>
+                  <a:pt x="120000" y="120000"/>
+                </a:lnTo>
+                <a:lnTo>
+                  <a:pt x="0" y="120000"/>
+                </a:lnTo>
+                <a:close/>
+              </a:path>
+            </a:pathLst>
+          </a:custGeom>
+        </p:spPr>
+      </p:sp>
+      <p:sp>
+        <p:nvSpPr>
+          <p:cNvPr id="168" name="Google Shape;168;g7f9262ee2f_0_26269:notes"/>
+          <p:cNvSpPr txBox="1">
+            <a:spLocks noGrp="1"/>
+          </p:cNvSpPr>
+          <p:nvPr>
+            <p:ph type="body" idx="1"/>
+          </p:nvPr>
+        </p:nvSpPr>
+        <p:spPr>
+          <a:xfrm>
+            <a:off x="685800" y="4343400"/>
+            <a:ext cx="5486400" cy="4114800"/>
+          </a:xfrm>
+          <a:prstGeom prst="rect">
+            <a:avLst/>
+          </a:prstGeom>
+        </p:spPr>
+        <p:txBody>
+          <a:bodyPr spcFirstLastPara="1" wrap="square" lIns="91425" tIns="91425" rIns="91425" bIns="91425" anchor="t" anchorCtr="0">
+            <a:noAutofit/>
+          </a:bodyPr>
+          <a:lstStyle/>
+          <a:p>
+            <a:pPr marL="0" lvl="0" indent="0" algn="l" rtl="0">
+              <a:spcBef>
+                <a:spcPts val="0"/>
+              </a:spcBef>
+              <a:spcAft>
+                <a:spcPts val="0"/>
+              </a:spcAft>
+              <a:buNone/>
+            </a:pPr>
+            <a:endParaRPr/>
+          </a:p>
+        </p:txBody>
+      </p:sp>
+    </p:spTree>
+    <p:extLst>
+      <p:ext uri="{BB962C8B-B14F-4D97-AF65-F5344CB8AC3E}">
+        <p14:creationId xmlns:p14="http://schemas.microsoft.com/office/powerpoint/2010/main" val="2267604540"/>
+      </p:ext>
+    </p:extLst>
+  </p:cSld>
+  <p:clrMapOvr>
+    <a:masterClrMapping/>
+  </p:clrMapOvr>
+</p:notes>
+</file>
+
+<file path=ppt/notesSlides/notesSlide12.xml><?xml version="1.0" encoding="utf-8"?>
+<p:notes xmlns:a="http://schemas.openxmlformats.org/drawingml/2006/main" xmlns:r="http://schemas.openxmlformats.org/officeDocument/2006/relationships" xmlns:p="http://schemas.openxmlformats.org/presentationml/2006/main" showMasterSp="0" showMasterPhAnim="0">
+  <p:cSld>
+    <p:spTree>
+      <p:nvGrpSpPr>
         <p:cNvPr id="1" name="Shape 202"/>
         <p:cNvGrpSpPr/>
         <p:nvPr/>
@@ -1916,7 +2066,7 @@
 </p:notes>
 </file>
 
-<file path=ppt/notesSlides/notesSlide12.xml><?xml version="1.0" encoding="utf-8"?>
+<file path=ppt/notesSlides/notesSlide13.xml><?xml version="1.0" encoding="utf-8"?>
 <p:notes xmlns:a="http://schemas.openxmlformats.org/drawingml/2006/main" xmlns:r="http://schemas.openxmlformats.org/officeDocument/2006/relationships" xmlns:p="http://schemas.openxmlformats.org/presentationml/2006/main" showMasterSp="0" showMasterPhAnim="0">
   <p:cSld>
     <p:spTree>
@@ -2025,7 +2175,7 @@
 </p:notes>
 </file>
 
-<file path=ppt/notesSlides/notesSlide13.xml><?xml version="1.0" encoding="utf-8"?>
+<file path=ppt/notesSlides/notesSlide14.xml><?xml version="1.0" encoding="utf-8"?>
 <p:notes xmlns:a="http://schemas.openxmlformats.org/drawingml/2006/main" xmlns:r="http://schemas.openxmlformats.org/officeDocument/2006/relationships" xmlns:p="http://schemas.openxmlformats.org/presentationml/2006/main" showMasterSp="0" showMasterPhAnim="0">
   <p:cSld>
     <p:spTree>
@@ -2129,7 +2279,7 @@
 </p:notes>
 </file>
 
-<file path=ppt/notesSlides/notesSlide14.xml><?xml version="1.0" encoding="utf-8"?>
+<file path=ppt/notesSlides/notesSlide15.xml><?xml version="1.0" encoding="utf-8"?>
 <p:notes xmlns:a="http://schemas.openxmlformats.org/drawingml/2006/main" xmlns:r="http://schemas.openxmlformats.org/officeDocument/2006/relationships" xmlns:p="http://schemas.openxmlformats.org/presentationml/2006/main" showMasterSp="0" showMasterPhAnim="0">
   <p:cSld>
     <p:spTree>
@@ -2233,7 +2383,7 @@
 </p:notes>
 </file>
 
-<file path=ppt/notesSlides/notesSlide15.xml><?xml version="1.0" encoding="utf-8"?>
+<file path=ppt/notesSlides/notesSlide16.xml><?xml version="1.0" encoding="utf-8"?>
 <p:notes xmlns:a="http://schemas.openxmlformats.org/drawingml/2006/main" xmlns:r="http://schemas.openxmlformats.org/officeDocument/2006/relationships" xmlns:p="http://schemas.openxmlformats.org/presentationml/2006/main" showMasterSp="0" showMasterPhAnim="0">
   <p:cSld>
     <p:spTree>
@@ -9137,6 +9287,589 @@
   <p:cSld>
     <p:spTree>
       <p:nvGrpSpPr>
+        <p:cNvPr id="1" name="Shape 169"/>
+        <p:cNvGrpSpPr/>
+        <p:nvPr/>
+      </p:nvGrpSpPr>
+      <p:grpSpPr>
+        <a:xfrm>
+          <a:off x="0" y="0"/>
+          <a:ext cx="0" cy="0"/>
+          <a:chOff x="0" y="0"/>
+          <a:chExt cx="0" cy="0"/>
+        </a:xfrm>
+      </p:grpSpPr>
+      <p:sp>
+        <p:nvSpPr>
+          <p:cNvPr id="170" name="Google Shape;170;p39"/>
+          <p:cNvSpPr txBox="1">
+            <a:spLocks noGrp="1"/>
+          </p:cNvSpPr>
+          <p:nvPr>
+            <p:ph type="title"/>
+          </p:nvPr>
+        </p:nvSpPr>
+        <p:spPr>
+          <a:xfrm>
+            <a:off x="753021" y="428307"/>
+            <a:ext cx="4003617" cy="941400"/>
+          </a:xfrm>
+          <a:prstGeom prst="rect">
+            <a:avLst/>
+          </a:prstGeom>
+        </p:spPr>
+        <p:txBody>
+          <a:bodyPr spcFirstLastPara="1" wrap="square" lIns="91425" tIns="91425" rIns="91425" bIns="91425" anchor="t" anchorCtr="0">
+            <a:noAutofit/>
+          </a:bodyPr>
+          <a:lstStyle/>
+          <a:p>
+            <a:pPr marL="0" lvl="0" indent="0" algn="l" rtl="0">
+              <a:spcBef>
+                <a:spcPts val="0"/>
+              </a:spcBef>
+              <a:spcAft>
+                <a:spcPts val="0"/>
+              </a:spcAft>
+              <a:buNone/>
+            </a:pPr>
+            <a:r>
+              <a:rPr lang="en-US" sz="3200" dirty="0"/>
+              <a:t>Protocol-E91</a:t>
+            </a:r>
+            <a:endParaRPr sz="3200" dirty="0"/>
+          </a:p>
+        </p:txBody>
+      </p:sp>
+      <p:sp>
+        <p:nvSpPr>
+          <p:cNvPr id="171" name="Google Shape;171;p39"/>
+          <p:cNvSpPr txBox="1">
+            <a:spLocks noGrp="1"/>
+          </p:cNvSpPr>
+          <p:nvPr>
+            <p:ph type="body" idx="1"/>
+          </p:nvPr>
+        </p:nvSpPr>
+        <p:spPr>
+          <a:xfrm>
+            <a:off x="832152" y="1806177"/>
+            <a:ext cx="7221602" cy="1751502"/>
+          </a:xfrm>
+          <a:prstGeom prst="rect">
+            <a:avLst/>
+          </a:prstGeom>
+        </p:spPr>
+        <p:txBody>
+          <a:bodyPr spcFirstLastPara="1" wrap="square" lIns="91425" tIns="91425" rIns="91425" bIns="91425" anchor="t" anchorCtr="0">
+            <a:noAutofit/>
+          </a:bodyPr>
+          <a:lstStyle/>
+          <a:p>
+            <a:pPr marL="0" indent="0" algn="ctr">
+              <a:spcAft>
+                <a:spcPts val="1600"/>
+              </a:spcAft>
+              <a:buNone/>
+            </a:pPr>
+            <a:endParaRPr lang="en-GB" dirty="0"/>
+          </a:p>
+          <a:p>
+            <a:pPr marL="0" indent="0" algn="ctr">
+              <a:spcAft>
+                <a:spcPts val="1600"/>
+              </a:spcAft>
+              <a:buNone/>
+            </a:pPr>
+            <a:r>
+              <a:rPr lang="en-US" sz="2000" b="1" dirty="0"/>
+              <a:t>Please wait while we run the demo…</a:t>
+            </a:r>
+          </a:p>
+        </p:txBody>
+      </p:sp>
+      <p:cxnSp>
+        <p:nvCxnSpPr>
+          <p:cNvPr id="172" name="Google Shape;172;p39"/>
+          <p:cNvCxnSpPr/>
+          <p:nvPr/>
+        </p:nvCxnSpPr>
+        <p:spPr>
+          <a:xfrm>
+            <a:off x="832152" y="434583"/>
+            <a:ext cx="2763000" cy="0"/>
+          </a:xfrm>
+          <a:prstGeom prst="straightConnector1">
+            <a:avLst/>
+          </a:prstGeom>
+          <a:noFill/>
+          <a:ln w="9525" cap="flat" cmpd="sng">
+            <a:solidFill>
+              <a:schemeClr val="accent1"/>
+            </a:solidFill>
+            <a:prstDash val="solid"/>
+            <a:round/>
+            <a:headEnd type="none" w="med" len="med"/>
+            <a:tailEnd type="none" w="med" len="med"/>
+          </a:ln>
+          <a:effectLst>
+            <a:outerShdw blurRad="57150" dist="19050" dir="5400000" algn="bl" rotWithShape="0">
+              <a:srgbClr val="FFFFFF">
+                <a:alpha val="50000"/>
+              </a:srgbClr>
+            </a:outerShdw>
+          </a:effectLst>
+        </p:spPr>
+      </p:cxnSp>
+      <p:sp>
+        <p:nvSpPr>
+          <p:cNvPr id="4" name="Right Triangle 3">
+            <a:extLst>
+              <a:ext uri="{FF2B5EF4-FFF2-40B4-BE49-F238E27FC236}">
+                <a16:creationId xmlns:a16="http://schemas.microsoft.com/office/drawing/2014/main" id="{46B8EA67-FF5E-DE95-A6E6-6C94D002FDCC}"/>
+              </a:ext>
+            </a:extLst>
+          </p:cNvPr>
+          <p:cNvSpPr/>
+          <p:nvPr/>
+        </p:nvSpPr>
+        <p:spPr>
+          <a:xfrm rot="16200000">
+            <a:off x="8498299" y="4497799"/>
+            <a:ext cx="645909" cy="645493"/>
+          </a:xfrm>
+          <a:prstGeom prst="rtTriangle">
+            <a:avLst/>
+          </a:prstGeom>
+        </p:spPr>
+        <p:style>
+          <a:lnRef idx="2">
+            <a:schemeClr val="accent1">
+              <a:shade val="50000"/>
+            </a:schemeClr>
+          </a:lnRef>
+          <a:fillRef idx="1">
+            <a:schemeClr val="accent1"/>
+          </a:fillRef>
+          <a:effectRef idx="0">
+            <a:schemeClr val="accent1"/>
+          </a:effectRef>
+          <a:fontRef idx="minor">
+            <a:schemeClr val="lt1"/>
+          </a:fontRef>
+        </p:style>
+        <p:txBody>
+          <a:bodyPr rtlCol="1" anchor="ctr"/>
+          <a:lstStyle/>
+          <a:p>
+            <a:pPr algn="ctr"/>
+            <a:endParaRPr lang="ar-SA"/>
+          </a:p>
+        </p:txBody>
+      </p:sp>
+      <p:sp>
+        <p:nvSpPr>
+          <p:cNvPr id="5" name="Google Shape;347;p13">
+            <a:extLst>
+              <a:ext uri="{FF2B5EF4-FFF2-40B4-BE49-F238E27FC236}">
+                <a16:creationId xmlns:a16="http://schemas.microsoft.com/office/drawing/2014/main" id="{1797321F-1869-502D-61B1-9A093F6A0698}"/>
+              </a:ext>
+            </a:extLst>
+          </p:cNvPr>
+          <p:cNvSpPr txBox="1">
+            <a:spLocks/>
+          </p:cNvSpPr>
+          <p:nvPr/>
+        </p:nvSpPr>
+        <p:spPr>
+          <a:xfrm>
+            <a:off x="8649025" y="4636750"/>
+            <a:ext cx="456900" cy="468600"/>
+          </a:xfrm>
+          <a:prstGeom prst="rect">
+            <a:avLst/>
+          </a:prstGeom>
+          <a:noFill/>
+          <a:ln>
+            <a:noFill/>
+          </a:ln>
+        </p:spPr>
+        <p:txBody>
+          <a:bodyPr spcFirstLastPara="1" wrap="square" lIns="0" tIns="0" rIns="0" bIns="0" anchor="b" anchorCtr="0">
+            <a:noAutofit/>
+          </a:bodyPr>
+          <a:lstStyle>
+            <a:defPPr marR="0" lvl="0" algn="l" rtl="0">
+              <a:lnSpc>
+                <a:spcPct val="100000"/>
+              </a:lnSpc>
+              <a:spcBef>
+                <a:spcPts val="0"/>
+              </a:spcBef>
+              <a:spcAft>
+                <a:spcPts val="0"/>
+              </a:spcAft>
+            </a:defPPr>
+            <a:lvl1pPr marR="0" lvl="0" algn="r" rtl="0">
+              <a:lnSpc>
+                <a:spcPct val="100000"/>
+              </a:lnSpc>
+              <a:spcBef>
+                <a:spcPts val="0"/>
+              </a:spcBef>
+              <a:spcAft>
+                <a:spcPts val="0"/>
+              </a:spcAft>
+              <a:buClr>
+                <a:srgbClr val="000000"/>
+              </a:buClr>
+              <a:buFont typeface="Arial"/>
+              <a:buNone/>
+              <a:defRPr sz="1200" b="0" i="0" u="none" strike="noStrike" cap="none">
+                <a:solidFill>
+                  <a:schemeClr val="lt1"/>
+                </a:solidFill>
+                <a:latin typeface="Barlow Light"/>
+                <a:ea typeface="Barlow Light"/>
+                <a:cs typeface="Barlow Light"/>
+                <a:sym typeface="Barlow Light"/>
+              </a:defRPr>
+            </a:lvl1pPr>
+            <a:lvl2pPr marR="0" lvl="1" algn="r" rtl="0">
+              <a:lnSpc>
+                <a:spcPct val="100000"/>
+              </a:lnSpc>
+              <a:spcBef>
+                <a:spcPts val="0"/>
+              </a:spcBef>
+              <a:spcAft>
+                <a:spcPts val="0"/>
+              </a:spcAft>
+              <a:buClr>
+                <a:srgbClr val="000000"/>
+              </a:buClr>
+              <a:buFont typeface="Arial"/>
+              <a:buNone/>
+              <a:defRPr sz="1200" b="0" i="0" u="none" strike="noStrike" cap="none">
+                <a:solidFill>
+                  <a:schemeClr val="lt1"/>
+                </a:solidFill>
+                <a:latin typeface="Barlow Light"/>
+                <a:ea typeface="Barlow Light"/>
+                <a:cs typeface="Barlow Light"/>
+                <a:sym typeface="Barlow Light"/>
+              </a:defRPr>
+            </a:lvl2pPr>
+            <a:lvl3pPr marR="0" lvl="2" algn="r" rtl="0">
+              <a:lnSpc>
+                <a:spcPct val="100000"/>
+              </a:lnSpc>
+              <a:spcBef>
+                <a:spcPts val="0"/>
+              </a:spcBef>
+              <a:spcAft>
+                <a:spcPts val="0"/>
+              </a:spcAft>
+              <a:buClr>
+                <a:srgbClr val="000000"/>
+              </a:buClr>
+              <a:buFont typeface="Arial"/>
+              <a:buNone/>
+              <a:defRPr sz="1200" b="0" i="0" u="none" strike="noStrike" cap="none">
+                <a:solidFill>
+                  <a:schemeClr val="lt1"/>
+                </a:solidFill>
+                <a:latin typeface="Barlow Light"/>
+                <a:ea typeface="Barlow Light"/>
+                <a:cs typeface="Barlow Light"/>
+                <a:sym typeface="Barlow Light"/>
+              </a:defRPr>
+            </a:lvl3pPr>
+            <a:lvl4pPr marR="0" lvl="3" algn="r" rtl="0">
+              <a:lnSpc>
+                <a:spcPct val="100000"/>
+              </a:lnSpc>
+              <a:spcBef>
+                <a:spcPts val="0"/>
+              </a:spcBef>
+              <a:spcAft>
+                <a:spcPts val="0"/>
+              </a:spcAft>
+              <a:buClr>
+                <a:srgbClr val="000000"/>
+              </a:buClr>
+              <a:buFont typeface="Arial"/>
+              <a:buNone/>
+              <a:defRPr sz="1200" b="0" i="0" u="none" strike="noStrike" cap="none">
+                <a:solidFill>
+                  <a:schemeClr val="lt1"/>
+                </a:solidFill>
+                <a:latin typeface="Barlow Light"/>
+                <a:ea typeface="Barlow Light"/>
+                <a:cs typeface="Barlow Light"/>
+                <a:sym typeface="Barlow Light"/>
+              </a:defRPr>
+            </a:lvl4pPr>
+            <a:lvl5pPr marR="0" lvl="4" algn="r" rtl="0">
+              <a:lnSpc>
+                <a:spcPct val="100000"/>
+              </a:lnSpc>
+              <a:spcBef>
+                <a:spcPts val="0"/>
+              </a:spcBef>
+              <a:spcAft>
+                <a:spcPts val="0"/>
+              </a:spcAft>
+              <a:buClr>
+                <a:srgbClr val="000000"/>
+              </a:buClr>
+              <a:buFont typeface="Arial"/>
+              <a:buNone/>
+              <a:defRPr sz="1200" b="0" i="0" u="none" strike="noStrike" cap="none">
+                <a:solidFill>
+                  <a:schemeClr val="lt1"/>
+                </a:solidFill>
+                <a:latin typeface="Barlow Light"/>
+                <a:ea typeface="Barlow Light"/>
+                <a:cs typeface="Barlow Light"/>
+                <a:sym typeface="Barlow Light"/>
+              </a:defRPr>
+            </a:lvl5pPr>
+            <a:lvl6pPr marR="0" lvl="5" algn="r" rtl="0">
+              <a:lnSpc>
+                <a:spcPct val="100000"/>
+              </a:lnSpc>
+              <a:spcBef>
+                <a:spcPts val="0"/>
+              </a:spcBef>
+              <a:spcAft>
+                <a:spcPts val="0"/>
+              </a:spcAft>
+              <a:buClr>
+                <a:srgbClr val="000000"/>
+              </a:buClr>
+              <a:buFont typeface="Arial"/>
+              <a:buNone/>
+              <a:defRPr sz="1200" b="0" i="0" u="none" strike="noStrike" cap="none">
+                <a:solidFill>
+                  <a:schemeClr val="lt1"/>
+                </a:solidFill>
+                <a:latin typeface="Barlow Light"/>
+                <a:ea typeface="Barlow Light"/>
+                <a:cs typeface="Barlow Light"/>
+                <a:sym typeface="Barlow Light"/>
+              </a:defRPr>
+            </a:lvl6pPr>
+            <a:lvl7pPr marR="0" lvl="6" algn="r" rtl="0">
+              <a:lnSpc>
+                <a:spcPct val="100000"/>
+              </a:lnSpc>
+              <a:spcBef>
+                <a:spcPts val="0"/>
+              </a:spcBef>
+              <a:spcAft>
+                <a:spcPts val="0"/>
+              </a:spcAft>
+              <a:buClr>
+                <a:srgbClr val="000000"/>
+              </a:buClr>
+              <a:buFont typeface="Arial"/>
+              <a:buNone/>
+              <a:defRPr sz="1200" b="0" i="0" u="none" strike="noStrike" cap="none">
+                <a:solidFill>
+                  <a:schemeClr val="lt1"/>
+                </a:solidFill>
+                <a:latin typeface="Barlow Light"/>
+                <a:ea typeface="Barlow Light"/>
+                <a:cs typeface="Barlow Light"/>
+                <a:sym typeface="Barlow Light"/>
+              </a:defRPr>
+            </a:lvl7pPr>
+            <a:lvl8pPr marR="0" lvl="7" algn="r" rtl="0">
+              <a:lnSpc>
+                <a:spcPct val="100000"/>
+              </a:lnSpc>
+              <a:spcBef>
+                <a:spcPts val="0"/>
+              </a:spcBef>
+              <a:spcAft>
+                <a:spcPts val="0"/>
+              </a:spcAft>
+              <a:buClr>
+                <a:srgbClr val="000000"/>
+              </a:buClr>
+              <a:buFont typeface="Arial"/>
+              <a:buNone/>
+              <a:defRPr sz="1200" b="0" i="0" u="none" strike="noStrike" cap="none">
+                <a:solidFill>
+                  <a:schemeClr val="lt1"/>
+                </a:solidFill>
+                <a:latin typeface="Barlow Light"/>
+                <a:ea typeface="Barlow Light"/>
+                <a:cs typeface="Barlow Light"/>
+                <a:sym typeface="Barlow Light"/>
+              </a:defRPr>
+            </a:lvl8pPr>
+            <a:lvl9pPr marR="0" lvl="8" algn="r" rtl="0">
+              <a:lnSpc>
+                <a:spcPct val="100000"/>
+              </a:lnSpc>
+              <a:spcBef>
+                <a:spcPts val="0"/>
+              </a:spcBef>
+              <a:spcAft>
+                <a:spcPts val="0"/>
+              </a:spcAft>
+              <a:buClr>
+                <a:srgbClr val="000000"/>
+              </a:buClr>
+              <a:buFont typeface="Arial"/>
+              <a:buNone/>
+              <a:defRPr sz="1200" b="0" i="0" u="none" strike="noStrike" cap="none">
+                <a:solidFill>
+                  <a:schemeClr val="lt1"/>
+                </a:solidFill>
+                <a:latin typeface="Barlow Light"/>
+                <a:ea typeface="Barlow Light"/>
+                <a:cs typeface="Barlow Light"/>
+                <a:sym typeface="Barlow Light"/>
+              </a:defRPr>
+            </a:lvl9pPr>
+          </a:lstStyle>
+          <a:p>
+            <a:pPr marL="0" marR="0" lvl="0" indent="0" algn="r" defTabSz="914400" rtl="0" eaLnBrk="1" fontAlgn="auto" latinLnBrk="0" hangingPunct="1">
+              <a:lnSpc>
+                <a:spcPct val="100000"/>
+              </a:lnSpc>
+              <a:spcBef>
+                <a:spcPts val="0"/>
+              </a:spcBef>
+              <a:spcAft>
+                <a:spcPts val="0"/>
+              </a:spcAft>
+              <a:buClr>
+                <a:srgbClr val="000000"/>
+              </a:buClr>
+              <a:buSzTx/>
+              <a:buFont typeface="Arial"/>
+              <a:buNone/>
+              <a:tabLst/>
+              <a:defRPr/>
+            </a:pPr>
+            <a:fld id="{00000000-1234-1234-1234-123412341234}" type="slidenum">
+              <a:rPr kumimoji="0" lang="en" sz="1400" b="1" i="0" u="none" strike="noStrike" kern="0" cap="none" spc="0" normalizeH="0" baseline="0" noProof="0" smtClean="0">
+                <a:ln>
+                  <a:noFill/>
+                </a:ln>
+                <a:solidFill>
+                  <a:srgbClr val="FFFFFF"/>
+                </a:solidFill>
+                <a:effectLst/>
+                <a:uLnTx/>
+                <a:uFillTx/>
+                <a:latin typeface="Barlow Light"/>
+                <a:sym typeface="Barlow Light"/>
+              </a:rPr>
+              <a:pPr marL="0" marR="0" lvl="0" indent="0" algn="r" defTabSz="914400" rtl="0" eaLnBrk="1" fontAlgn="auto" latinLnBrk="0" hangingPunct="1">
+                <a:lnSpc>
+                  <a:spcPct val="100000"/>
+                </a:lnSpc>
+                <a:spcBef>
+                  <a:spcPts val="0"/>
+                </a:spcBef>
+                <a:spcAft>
+                  <a:spcPts val="0"/>
+                </a:spcAft>
+                <a:buClr>
+                  <a:srgbClr val="000000"/>
+                </a:buClr>
+                <a:buSzTx/>
+                <a:buFont typeface="Arial"/>
+                <a:buNone/>
+                <a:tabLst/>
+                <a:defRPr/>
+              </a:pPr>
+              <a:t>11</a:t>
+            </a:fld>
+            <a:endParaRPr kumimoji="0" lang="en" sz="1200" b="1" i="0" u="none" strike="noStrike" kern="0" cap="none" spc="0" normalizeH="0" baseline="0" noProof="0" dirty="0">
+              <a:ln>
+                <a:noFill/>
+              </a:ln>
+              <a:solidFill>
+                <a:srgbClr val="FFFFFF"/>
+              </a:solidFill>
+              <a:effectLst/>
+              <a:uLnTx/>
+              <a:uFillTx/>
+              <a:latin typeface="Barlow Light"/>
+              <a:sym typeface="Barlow Light"/>
+            </a:endParaRPr>
+          </a:p>
+        </p:txBody>
+      </p:sp>
+      <p:pic>
+        <p:nvPicPr>
+          <p:cNvPr id="7" name="Picture 6">
+            <a:extLst>
+              <a:ext uri="{FF2B5EF4-FFF2-40B4-BE49-F238E27FC236}">
+                <a16:creationId xmlns:a16="http://schemas.microsoft.com/office/drawing/2014/main" id="{A07F6F07-DCF8-C6ED-BCF6-614CEBF7E44F}"/>
+              </a:ext>
+              <a:ext uri="{C183D7F6-B498-43B3-948B-1728B52AA6E4}">
+                <adec:decorative xmlns:adec="http://schemas.microsoft.com/office/drawing/2017/decorative" val="1"/>
+              </a:ext>
+            </a:extLst>
+          </p:cNvPr>
+          <p:cNvPicPr>
+            <a:picLocks noChangeAspect="1"/>
+          </p:cNvPicPr>
+          <p:nvPr/>
+        </p:nvPicPr>
+        <p:blipFill>
+          <a:blip r:embed="rId3"/>
+          <a:stretch>
+            <a:fillRect/>
+          </a:stretch>
+        </p:blipFill>
+        <p:spPr>
+          <a:xfrm>
+            <a:off x="3710993" y="3356626"/>
+            <a:ext cx="1463919" cy="1463919"/>
+          </a:xfrm>
+          <a:prstGeom prst="rect">
+            <a:avLst/>
+          </a:prstGeom>
+        </p:spPr>
+      </p:pic>
+    </p:spTree>
+    <p:extLst>
+      <p:ext uri="{BB962C8B-B14F-4D97-AF65-F5344CB8AC3E}">
+        <p14:creationId xmlns:p14="http://schemas.microsoft.com/office/powerpoint/2010/main" val="3993053408"/>
+      </p:ext>
+    </p:extLst>
+  </p:cSld>
+  <p:clrMapOvr>
+    <a:masterClrMapping/>
+  </p:clrMapOvr>
+  <mc:AlternateContent xmlns:mc="http://schemas.openxmlformats.org/markup-compatibility/2006" xmlns:p159="http://schemas.microsoft.com/office/powerpoint/2015/09/main">
+    <mc:Choice Requires="p159">
+      <p:transition xmlns:p14="http://schemas.microsoft.com/office/powerpoint/2010/main" spd="slow" p14:dur="2000">
+        <p159:morph option="byObject"/>
+      </p:transition>
+    </mc:Choice>
+    <mc:Fallback xmlns="">
+      <p:transition spd="slow">
+        <p:fade/>
+      </p:transition>
+    </mc:Fallback>
+  </mc:AlternateContent>
+</p:sld>
+</file>
+
+<file path=ppt/slides/slide12.xml><?xml version="1.0" encoding="utf-8"?>
+<p:sld xmlns:a="http://schemas.openxmlformats.org/drawingml/2006/main" xmlns:r="http://schemas.openxmlformats.org/officeDocument/2006/relationships" xmlns:p="http://schemas.openxmlformats.org/presentationml/2006/main">
+  <p:cSld>
+    <p:spTree>
+      <p:nvGrpSpPr>
         <p:cNvPr id="1" name="Shape 205"/>
         <p:cNvGrpSpPr/>
         <p:nvPr/>
@@ -9292,7 +10025,7 @@
 </p:sld>
 </file>
 
-<file path=ppt/slides/slide12.xml><?xml version="1.0" encoding="utf-8"?>
+<file path=ppt/slides/slide13.xml><?xml version="1.0" encoding="utf-8"?>
 <p:sld xmlns:a="http://schemas.openxmlformats.org/drawingml/2006/main" xmlns:r="http://schemas.openxmlformats.org/officeDocument/2006/relationships" xmlns:p="http://schemas.openxmlformats.org/presentationml/2006/main">
   <p:cSld>
     <p:spTree>
@@ -9946,7 +10679,7 @@
                 <a:tabLst/>
                 <a:defRPr/>
               </a:pPr>
-              <a:t>12</a:t>
+              <a:t>13</a:t>
             </a:fld>
             <a:endParaRPr kumimoji="0" lang="en" sz="1200" b="1" i="0" u="none" strike="noStrike" kern="0" cap="none" spc="0" normalizeH="0" baseline="0" noProof="0" dirty="0">
               <a:ln>
@@ -10018,7 +10751,7 @@
 </p:sld>
 </file>
 
-<file path=ppt/slides/slide13.xml><?xml version="1.0" encoding="utf-8"?>
+<file path=ppt/slides/slide14.xml><?xml version="1.0" encoding="utf-8"?>
 <p:sld xmlns:a="http://schemas.openxmlformats.org/drawingml/2006/main" xmlns:r="http://schemas.openxmlformats.org/officeDocument/2006/relationships" xmlns:p="http://schemas.openxmlformats.org/presentationml/2006/main">
   <p:cSld>
     <p:spTree>
@@ -10140,7 +10873,7 @@
 </p:sld>
 </file>
 
-<file path=ppt/slides/slide14.xml><?xml version="1.0" encoding="utf-8"?>
+<file path=ppt/slides/slide15.xml><?xml version="1.0" encoding="utf-8"?>
 <p:sld xmlns:a="http://schemas.openxmlformats.org/drawingml/2006/main" xmlns:r="http://schemas.openxmlformats.org/officeDocument/2006/relationships" xmlns:p="http://schemas.openxmlformats.org/presentationml/2006/main">
   <p:cSld>
     <p:spTree>
@@ -10287,7 +11020,7 @@
 </p:sld>
 </file>
 
-<file path=ppt/slides/slide15.xml><?xml version="1.0" encoding="utf-8"?>
+<file path=ppt/slides/slide16.xml><?xml version="1.0" encoding="utf-8"?>
 <p:sld xmlns:a="http://schemas.openxmlformats.org/drawingml/2006/main" xmlns:r="http://schemas.openxmlformats.org/officeDocument/2006/relationships" xmlns:p="http://schemas.openxmlformats.org/presentationml/2006/main">
   <p:cSld>
     <p:spTree>
@@ -10882,7 +11615,7 @@
                 <a:tabLst/>
                 <a:defRPr/>
               </a:pPr>
-              <a:t>15</a:t>
+              <a:t>16</a:t>
             </a:fld>
             <a:endParaRPr kumimoji="0" lang="en" sz="1200" b="1" i="0" u="none" strike="noStrike" kern="0" cap="none" spc="0" normalizeH="0" baseline="0" noProof="0" dirty="0">
               <a:ln>
